--- a/FHIR_APPOINTMENT/SCHEDULE.pptx
+++ b/FHIR_APPOINTMENT/SCHEDULE.pptx
@@ -203,7 +203,7 @@
           <a:p>
             <a:fld id="{D191CA84-60DC-4988-B1E5-95026F224EF9}" type="datetimeFigureOut">
               <a:rPr lang="en-MY" smtClean="0"/>
-              <a:t>21/11/2019</a:t>
+              <a:t>21/12/2019</a:t>
             </a:fld>
             <a:endParaRPr lang="en-MY"/>
           </a:p>
@@ -711,7 +711,7 @@
           <a:p>
             <a:fld id="{537A53EC-FDB4-4841-8BCC-24B3E57C0139}" type="datetimeFigureOut">
               <a:rPr lang="en-MY" smtClean="0"/>
-              <a:t>21/11/2019</a:t>
+              <a:t>21/12/2019</a:t>
             </a:fld>
             <a:endParaRPr lang="en-MY"/>
           </a:p>
@@ -911,7 +911,7 @@
           <a:p>
             <a:fld id="{537A53EC-FDB4-4841-8BCC-24B3E57C0139}" type="datetimeFigureOut">
               <a:rPr lang="en-MY" smtClean="0"/>
-              <a:t>21/11/2019</a:t>
+              <a:t>21/12/2019</a:t>
             </a:fld>
             <a:endParaRPr lang="en-MY"/>
           </a:p>
@@ -1121,7 +1121,7 @@
           <a:p>
             <a:fld id="{537A53EC-FDB4-4841-8BCC-24B3E57C0139}" type="datetimeFigureOut">
               <a:rPr lang="en-MY" smtClean="0"/>
-              <a:t>21/11/2019</a:t>
+              <a:t>21/12/2019</a:t>
             </a:fld>
             <a:endParaRPr lang="en-MY"/>
           </a:p>
@@ -1321,7 +1321,7 @@
           <a:p>
             <a:fld id="{537A53EC-FDB4-4841-8BCC-24B3E57C0139}" type="datetimeFigureOut">
               <a:rPr lang="en-MY" smtClean="0"/>
-              <a:t>21/11/2019</a:t>
+              <a:t>21/12/2019</a:t>
             </a:fld>
             <a:endParaRPr lang="en-MY"/>
           </a:p>
@@ -1597,7 +1597,7 @@
           <a:p>
             <a:fld id="{537A53EC-FDB4-4841-8BCC-24B3E57C0139}" type="datetimeFigureOut">
               <a:rPr lang="en-MY" smtClean="0"/>
-              <a:t>21/11/2019</a:t>
+              <a:t>21/12/2019</a:t>
             </a:fld>
             <a:endParaRPr lang="en-MY"/>
           </a:p>
@@ -1865,7 +1865,7 @@
           <a:p>
             <a:fld id="{537A53EC-FDB4-4841-8BCC-24B3E57C0139}" type="datetimeFigureOut">
               <a:rPr lang="en-MY" smtClean="0"/>
-              <a:t>21/11/2019</a:t>
+              <a:t>21/12/2019</a:t>
             </a:fld>
             <a:endParaRPr lang="en-MY"/>
           </a:p>
@@ -2280,7 +2280,7 @@
           <a:p>
             <a:fld id="{537A53EC-FDB4-4841-8BCC-24B3E57C0139}" type="datetimeFigureOut">
               <a:rPr lang="en-MY" smtClean="0"/>
-              <a:t>21/11/2019</a:t>
+              <a:t>21/12/2019</a:t>
             </a:fld>
             <a:endParaRPr lang="en-MY"/>
           </a:p>
@@ -2422,7 +2422,7 @@
           <a:p>
             <a:fld id="{537A53EC-FDB4-4841-8BCC-24B3E57C0139}" type="datetimeFigureOut">
               <a:rPr lang="en-MY" smtClean="0"/>
-              <a:t>21/11/2019</a:t>
+              <a:t>21/12/2019</a:t>
             </a:fld>
             <a:endParaRPr lang="en-MY"/>
           </a:p>
@@ -2535,7 +2535,7 @@
           <a:p>
             <a:fld id="{537A53EC-FDB4-4841-8BCC-24B3E57C0139}" type="datetimeFigureOut">
               <a:rPr lang="en-MY" smtClean="0"/>
-              <a:t>21/11/2019</a:t>
+              <a:t>21/12/2019</a:t>
             </a:fld>
             <a:endParaRPr lang="en-MY"/>
           </a:p>
@@ -2848,7 +2848,7 @@
           <a:p>
             <a:fld id="{537A53EC-FDB4-4841-8BCC-24B3E57C0139}" type="datetimeFigureOut">
               <a:rPr lang="en-MY" smtClean="0"/>
-              <a:t>21/11/2019</a:t>
+              <a:t>21/12/2019</a:t>
             </a:fld>
             <a:endParaRPr lang="en-MY"/>
           </a:p>
@@ -3137,7 +3137,7 @@
           <a:p>
             <a:fld id="{537A53EC-FDB4-4841-8BCC-24B3E57C0139}" type="datetimeFigureOut">
               <a:rPr lang="en-MY" smtClean="0"/>
-              <a:t>21/11/2019</a:t>
+              <a:t>21/12/2019</a:t>
             </a:fld>
             <a:endParaRPr lang="en-MY"/>
           </a:p>
@@ -3380,7 +3380,7 @@
           <a:p>
             <a:fld id="{537A53EC-FDB4-4841-8BCC-24B3E57C0139}" type="datetimeFigureOut">
               <a:rPr lang="en-MY" smtClean="0"/>
-              <a:t>21/11/2019</a:t>
+              <a:t>21/12/2019</a:t>
             </a:fld>
             <a:endParaRPr lang="en-MY"/>
           </a:p>
@@ -3813,7 +3813,7 @@
                 <a16:creationId xmlns:a16="http://schemas.microsoft.com/office/drawing/2014/main" id="{2A8AA5BC-4F7A-4226-8F99-6D824B226A97}"/>
               </a:ext>
               <a:ext uri="{C183D7F6-B498-43B3-948B-1728B52AA6E4}">
-                <adec:decorative xmlns:adec="http://schemas.microsoft.com/office/drawing/2017/decorative" xmlns="" val="1"/>
+                <adec:decorative xmlns="" xmlns:adec="http://schemas.microsoft.com/office/drawing/2017/decorative" val="1"/>
               </a:ext>
             </a:extLst>
           </p:cNvPr>
@@ -3876,7 +3876,7 @@
                 <a16:creationId xmlns:a16="http://schemas.microsoft.com/office/drawing/2014/main" id="{3E5445C6-DD42-4979-86FF-03730E8C6DB0}"/>
               </a:ext>
               <a:ext uri="{C183D7F6-B498-43B3-948B-1728B52AA6E4}">
-                <adec:decorative xmlns:adec="http://schemas.microsoft.com/office/drawing/2017/decorative" xmlns="" val="1"/>
+                <adec:decorative xmlns="" xmlns:adec="http://schemas.microsoft.com/office/drawing/2017/decorative" val="1"/>
               </a:ext>
             </a:extLst>
           </p:cNvPr>
@@ -4022,7 +4022,7 @@
                 <a16:creationId xmlns:a16="http://schemas.microsoft.com/office/drawing/2014/main" id="{45000665-DFC7-417E-8FD7-516A0F15C975}"/>
               </a:ext>
               <a:ext uri="{C183D7F6-B498-43B3-948B-1728B52AA6E4}">
-                <adec:decorative xmlns:adec="http://schemas.microsoft.com/office/drawing/2017/decorative" xmlns="" val="1"/>
+                <adec:decorative xmlns="" xmlns:adec="http://schemas.microsoft.com/office/drawing/2017/decorative" val="1"/>
               </a:ext>
             </a:extLst>
           </p:cNvPr>
@@ -6344,6 +6344,52 @@
           </a:graphicData>
         </a:graphic>
       </p:graphicFrame>
+      <p:sp>
+        <p:nvSpPr>
+          <p:cNvPr id="4" name="橢圓 3"/>
+          <p:cNvSpPr/>
+          <p:nvPr/>
+        </p:nvSpPr>
+        <p:spPr>
+          <a:xfrm>
+            <a:off x="5271796" y="4963886"/>
+            <a:ext cx="3359020" cy="821094"/>
+          </a:xfrm>
+          <a:prstGeom prst="ellipse">
+            <a:avLst/>
+          </a:prstGeom>
+          <a:noFill/>
+          <a:ln w="38100">
+            <a:solidFill>
+              <a:srgbClr val="FF0000"/>
+            </a:solidFill>
+          </a:ln>
+        </p:spPr>
+        <p:style>
+          <a:lnRef idx="2">
+            <a:schemeClr val="accent1">
+              <a:shade val="50000"/>
+            </a:schemeClr>
+          </a:lnRef>
+          <a:fillRef idx="1">
+            <a:schemeClr val="accent1"/>
+          </a:fillRef>
+          <a:effectRef idx="0">
+            <a:schemeClr val="accent1"/>
+          </a:effectRef>
+          <a:fontRef idx="minor">
+            <a:schemeClr val="lt1"/>
+          </a:fontRef>
+        </p:style>
+        <p:txBody>
+          <a:bodyPr rtlCol="0" anchor="ctr"/>
+          <a:lstStyle/>
+          <a:p>
+            <a:pPr algn="ctr"/>
+            <a:endParaRPr lang="zh-TW" altLang="en-US"/>
+          </a:p>
+        </p:txBody>
+      </p:sp>
     </p:spTree>
     <p:extLst>
       <p:ext uri="{BB962C8B-B14F-4D97-AF65-F5344CB8AC3E}">
